--- a/Documentation/FYP Presentation.pptx
+++ b/Documentation/FYP Presentation.pptx
@@ -279,7 +279,7 @@
   <p:extLst>
     <p:ext uri="{EFAFB233-063F-42B5-8137-9DF3F51BA10A}">
       <p15:sldGuideLst xmlns:p15="http://schemas.microsoft.com/office/powerpoint/2012/main">
-        <p15:guide id="1" orient="horz" pos="2160" userDrawn="1">
+        <p15:guide id="1" orient="horz" pos="2144" userDrawn="1">
           <p15:clr>
             <a:srgbClr val="000000"/>
           </p15:clr>
